--- a/Lifting COVID19 Lockdown safely.pptx
+++ b/Lifting COVID19 Lockdown safely.pptx
@@ -8,11 +8,12 @@
     <p:sldId id="256" r:id="rId2"/>
     <p:sldId id="257" r:id="rId3"/>
     <p:sldId id="258" r:id="rId4"/>
-    <p:sldId id="261" r:id="rId5"/>
-    <p:sldId id="262" r:id="rId6"/>
-    <p:sldId id="260" r:id="rId7"/>
-    <p:sldId id="263" r:id="rId8"/>
-    <p:sldId id="259" r:id="rId9"/>
+    <p:sldId id="264" r:id="rId5"/>
+    <p:sldId id="261" r:id="rId6"/>
+    <p:sldId id="262" r:id="rId7"/>
+    <p:sldId id="260" r:id="rId8"/>
+    <p:sldId id="263" r:id="rId9"/>
+    <p:sldId id="259" r:id="rId10"/>
   </p:sldIdLst>
   <p:sldSz cx="12192000" cy="6858000"/>
   <p:notesSz cx="6858000" cy="9144000"/>
@@ -111,6 +112,11 @@
       </a:defRPr>
     </a:lvl9pPr>
   </p:defaultTextStyle>
+  <p:extLst>
+    <p:ext uri="{EFAFB233-063F-42B5-8137-9DF3F51BA10A}">
+      <p15:sldGuideLst xmlns:p15="http://schemas.microsoft.com/office/powerpoint/2012/main"/>
+    </p:ext>
+  </p:extLst>
 </p:presentation>
 </file>
 
@@ -6019,7 +6025,7 @@
         <p:spPr>
           <a:xfrm>
             <a:off x="677335" y="2379216"/>
-            <a:ext cx="8688608" cy="3416320"/>
+            <a:ext cx="8688608" cy="2308324"/>
           </a:xfrm>
           <a:prstGeom prst="rect">
             <a:avLst/>
@@ -6038,7 +6044,7 @@
             </a:pPr>
             <a:r>
               <a:rPr lang="en-IN" dirty="0"/>
-              <a:t>We scape data regarding active cases in the state of Karnataka</a:t>
+              <a:t>We scrape data regarding active cases in the state of Karnataka</a:t>
             </a:r>
             <a:r>
               <a:rPr lang="en-US" dirty="0"/>
@@ -6089,38 +6095,7 @@
             </a:r>
           </a:p>
           <a:p>
-            <a:pPr marL="285750" indent="-285750">
-              <a:buFont typeface="Arial" panose="020B0604020202020204" pitchFamily="34" charset="0"/>
-              <a:buChar char="•"/>
-            </a:pPr>
-            <a:endParaRPr lang="en-US" dirty="0"/>
-          </a:p>
-          <a:p>
-            <a:pPr marL="285750" indent="-285750">
-              <a:buFont typeface="Arial" panose="020B0604020202020204" pitchFamily="34" charset="0"/>
-              <a:buChar char="•"/>
-            </a:pPr>
-            <a:r>
-              <a:rPr lang="en-US" dirty="0"/>
-              <a:t>One column (sl. No.) and a row containing total values for each column was deleted.</a:t>
-            </a:r>
-          </a:p>
-          <a:p>
-            <a:pPr marL="285750" indent="-285750">
-              <a:buFont typeface="Arial" panose="020B0604020202020204" pitchFamily="34" charset="0"/>
-              <a:buChar char="•"/>
-            </a:pPr>
-            <a:endParaRPr lang="en-US" dirty="0"/>
-          </a:p>
-          <a:p>
-            <a:pPr marL="285750" indent="-285750">
-              <a:buFont typeface="Arial" panose="020B0604020202020204" pitchFamily="34" charset="0"/>
-              <a:buChar char="•"/>
-            </a:pPr>
-            <a:r>
-              <a:rPr lang="en-US" dirty="0"/>
-              <a:t>Foursquare API did not return venue details for all 30 districts (12 districts had to be dropped due to unavailability of venue data).</a:t>
-            </a:r>
+            <a:endParaRPr lang="en-US" dirty="0"/>
           </a:p>
         </p:txBody>
       </p:sp>
@@ -6138,6 +6113,121 @@
 </file>
 
 <file path=ppt/slides/slide4.xml><?xml version="1.0" encoding="utf-8"?>
+<p:sld xmlns:a="http://schemas.openxmlformats.org/drawingml/2006/main" xmlns:r="http://schemas.openxmlformats.org/officeDocument/2006/relationships" xmlns:p="http://schemas.openxmlformats.org/presentationml/2006/main">
+  <p:cSld>
+    <p:spTree>
+      <p:nvGrpSpPr>
+        <p:cNvPr id="1" name=""/>
+        <p:cNvGrpSpPr/>
+        <p:nvPr/>
+      </p:nvGrpSpPr>
+      <p:grpSpPr>
+        <a:xfrm>
+          <a:off x="0" y="0"/>
+          <a:ext cx="0" cy="0"/>
+          <a:chOff x="0" y="0"/>
+          <a:chExt cx="0" cy="0"/>
+        </a:xfrm>
+      </p:grpSpPr>
+      <p:sp>
+        <p:nvSpPr>
+          <p:cNvPr id="2" name="Title 1">
+            <a:extLst>
+              <a:ext uri="{FF2B5EF4-FFF2-40B4-BE49-F238E27FC236}">
+                <a16:creationId xmlns:a16="http://schemas.microsoft.com/office/drawing/2014/main" id="{EA841364-F6A1-4BB2-8D3C-55A3DFF1D015}"/>
+              </a:ext>
+            </a:extLst>
+          </p:cNvPr>
+          <p:cNvSpPr>
+            <a:spLocks noGrp="1"/>
+          </p:cNvSpPr>
+          <p:nvPr>
+            <p:ph type="title"/>
+          </p:nvPr>
+        </p:nvSpPr>
+        <p:spPr/>
+        <p:txBody>
+          <a:bodyPr/>
+          <a:lstStyle/>
+          <a:p>
+            <a:r>
+              <a:rPr lang="en-IN" dirty="0"/>
+              <a:t>Data Acquisition and Cleaning</a:t>
+            </a:r>
+            <a:endParaRPr lang="en-US" dirty="0"/>
+          </a:p>
+        </p:txBody>
+      </p:sp>
+      <p:sp>
+        <p:nvSpPr>
+          <p:cNvPr id="3" name="TextBox 2">
+            <a:extLst>
+              <a:ext uri="{FF2B5EF4-FFF2-40B4-BE49-F238E27FC236}">
+                <a16:creationId xmlns:a16="http://schemas.microsoft.com/office/drawing/2014/main" id="{8DA90A97-EF8B-414F-8BD0-2B2E59CE58C9}"/>
+              </a:ext>
+            </a:extLst>
+          </p:cNvPr>
+          <p:cNvSpPr txBox="1"/>
+          <p:nvPr/>
+        </p:nvSpPr>
+        <p:spPr>
+          <a:xfrm>
+            <a:off x="677335" y="2379216"/>
+            <a:ext cx="8688608" cy="1477328"/>
+          </a:xfrm>
+          <a:prstGeom prst="rect">
+            <a:avLst/>
+          </a:prstGeom>
+          <a:noFill/>
+        </p:spPr>
+        <p:txBody>
+          <a:bodyPr wrap="square" rtlCol="0">
+            <a:spAutoFit/>
+          </a:bodyPr>
+          <a:lstStyle/>
+          <a:p>
+            <a:pPr marL="285750" indent="-285750">
+              <a:buFont typeface="Arial" panose="020B0604020202020204" pitchFamily="34" charset="0"/>
+              <a:buChar char="•"/>
+            </a:pPr>
+            <a:r>
+              <a:rPr lang="en-US" dirty="0"/>
+              <a:t>One column (sl. No.) and a row containing total values for each column was deleted.</a:t>
+            </a:r>
+          </a:p>
+          <a:p>
+            <a:pPr marL="285750" indent="-285750">
+              <a:buFont typeface="Arial" panose="020B0604020202020204" pitchFamily="34" charset="0"/>
+              <a:buChar char="•"/>
+            </a:pPr>
+            <a:endParaRPr lang="en-US" dirty="0"/>
+          </a:p>
+          <a:p>
+            <a:pPr marL="285750" indent="-285750">
+              <a:buFont typeface="Arial" panose="020B0604020202020204" pitchFamily="34" charset="0"/>
+              <a:buChar char="•"/>
+            </a:pPr>
+            <a:r>
+              <a:rPr lang="en-US" dirty="0"/>
+              <a:t>Foursquare API did not return venue details for all 30 districts (12 districts had to be dropped due to unavailability of venue data).</a:t>
+            </a:r>
+          </a:p>
+        </p:txBody>
+      </p:sp>
+    </p:spTree>
+    <p:extLst>
+      <p:ext uri="{BB962C8B-B14F-4D97-AF65-F5344CB8AC3E}">
+        <p14:creationId xmlns:p14="http://schemas.microsoft.com/office/powerpoint/2010/main" val="339209056"/>
+      </p:ext>
+    </p:extLst>
+  </p:cSld>
+  <p:clrMapOvr>
+    <a:masterClrMapping/>
+  </p:clrMapOvr>
+</p:sld>
+</file>
+
+<file path=ppt/slides/slide5.xml><?xml version="1.0" encoding="utf-8"?>
 <p:sld xmlns:a="http://schemas.openxmlformats.org/drawingml/2006/main" xmlns:r="http://schemas.openxmlformats.org/officeDocument/2006/relationships" xmlns:p="http://schemas.openxmlformats.org/presentationml/2006/main">
   <p:cSld>
     <p:spTree>
@@ -6266,7 +6356,7 @@
 </p:sld>
 </file>
 
-<file path=ppt/slides/slide5.xml><?xml version="1.0" encoding="utf-8"?>
+<file path=ppt/slides/slide6.xml><?xml version="1.0" encoding="utf-8"?>
 <p:sld xmlns:a="http://schemas.openxmlformats.org/drawingml/2006/main" xmlns:r="http://schemas.openxmlformats.org/officeDocument/2006/relationships" xmlns:p="http://schemas.openxmlformats.org/presentationml/2006/main">
   <p:cSld>
     <p:spTree>
@@ -6355,7 +6445,7 @@
 </p:sld>
 </file>
 
-<file path=ppt/slides/slide6.xml><?xml version="1.0" encoding="utf-8"?>
+<file path=ppt/slides/slide7.xml><?xml version="1.0" encoding="utf-8"?>
 <p:sld xmlns:a="http://schemas.openxmlformats.org/drawingml/2006/main" xmlns:r="http://schemas.openxmlformats.org/officeDocument/2006/relationships" xmlns:p="http://schemas.openxmlformats.org/presentationml/2006/main">
   <p:cSld>
     <p:spTree>
@@ -6484,7 +6574,7 @@
 </p:sld>
 </file>
 
-<file path=ppt/slides/slide7.xml><?xml version="1.0" encoding="utf-8"?>
+<file path=ppt/slides/slide8.xml><?xml version="1.0" encoding="utf-8"?>
 <p:sld xmlns:a="http://schemas.openxmlformats.org/drawingml/2006/main" xmlns:r="http://schemas.openxmlformats.org/officeDocument/2006/relationships" xmlns:p="http://schemas.openxmlformats.org/presentationml/2006/main">
   <p:cSld>
     <p:spTree>
@@ -6604,7 +6694,7 @@
 </p:sld>
 </file>
 
-<file path=ppt/slides/slide8.xml><?xml version="1.0" encoding="utf-8"?>
+<file path=ppt/slides/slide9.xml><?xml version="1.0" encoding="utf-8"?>
 <p:sld xmlns:a="http://schemas.openxmlformats.org/drawingml/2006/main" xmlns:r="http://schemas.openxmlformats.org/officeDocument/2006/relationships" xmlns:p="http://schemas.openxmlformats.org/presentationml/2006/main">
   <p:cSld>
     <p:spTree>
